--- a/scanner_validation_template.pptx
+++ b/scanner_validation_template.pptx
@@ -2635,7 +2635,7 @@
         </p:nvGraphicFramePr>
         <p:xfrm>
           <a:off x="1196975" y="2667000"/>
-          <a:ext cx="9166225" cy="2286000"/>
+          <a:ext cx="5499735" cy="2667000"/>
         </p:xfrm>
         <a:graphic>
           <a:graphicData uri="http://schemas.openxmlformats.org/drawingml/2006/table">
@@ -2644,8 +2644,6 @@
                 <a:tableStyleId>{5C22544A-7EE6-4342-B048-85BDC9FD1C3A}</a:tableStyleId>
               </a:tblPr>
               <a:tblGrid>
-                <a:gridCol w="1833245"/>
-                <a:gridCol w="1833245"/>
                 <a:gridCol w="1833245"/>
                 <a:gridCol w="1833245"/>
                 <a:gridCol w="1833245"/>
@@ -2659,10 +2657,10 @@
                         <a:buNone/>
                       </a:pPr>
                       <a:r>
-                        <a:rPr lang="" altLang="en-US"/>
+                        <a:rPr lang="en-US" altLang="en-US"/>
                         <a:t>Properties</a:t>
                       </a:r>
-                      <a:endParaRPr lang="" altLang="en-US"/>
+                      <a:endParaRPr lang="en-US" altLang="en-US"/>
                     </a:p>
                   </a:txBody>
                   <a:tcPr/>
@@ -2675,10 +2673,26 @@
                         <a:buNone/>
                       </a:pPr>
                       <a:r>
+                        <a:rPr lang="en-US" altLang="en-US"/>
+                        <a:t>H01</a:t>
+                      </a:r>
+                      <a:r>
                         <a:rPr lang="" altLang="en-US"/>
-                        <a:t>H01EBB49P</a:t>
+                        <a:t>F</a:t>
                       </a:r>
-                      <a:endParaRPr lang="" altLang="en-US"/>
+                      <a:r>
+                        <a:rPr lang="en-US" altLang="en-US"/>
+                        <a:t>BB</a:t>
+                      </a:r>
+                      <a:r>
+                        <a:rPr lang="" altLang="en-US"/>
+                        <a:t>61</a:t>
+                      </a:r>
+                      <a:r>
+                        <a:rPr lang="en-US" altLang="en-US"/>
+                        <a:t>P</a:t>
+                      </a:r>
+                      <a:endParaRPr lang="en-US" altLang="en-US"/>
                     </a:p>
                   </a:txBody>
                   <a:tcPr/>
@@ -2694,73 +2708,25 @@
                         <a:rPr lang="en-US" altLang="en-US" sz="1800">
                           <a:sym typeface="+mn-ea"/>
                         </a:rPr>
-                        <a:t>H01EBB</a:t>
+                        <a:t>H01</a:t>
                       </a:r>
                       <a:r>
                         <a:rPr lang="" altLang="en-US" sz="1800">
                           <a:sym typeface="+mn-ea"/>
                         </a:rPr>
-                        <a:t>50</a:t>
+                        <a:t>F</a:t>
                       </a:r>
                       <a:r>
                         <a:rPr lang="en-US" altLang="en-US" sz="1800">
                           <a:sym typeface="+mn-ea"/>
                         </a:rPr>
-                        <a:t>P</a:t>
-                      </a:r>
-                      <a:endParaRPr lang="en-US"/>
-                    </a:p>
-                  </a:txBody>
-                  <a:tcPr/>
-                </a:tc>
-                <a:tc>
-                  <a:txBody>
-                    <a:bodyPr/>
-                    <a:p>
-                      <a:pPr algn="ctr">
-                        <a:buNone/>
-                      </a:pPr>
-                      <a:r>
-                        <a:rPr lang="en-US" altLang="en-US" sz="1800">
-                          <a:sym typeface="+mn-ea"/>
-                        </a:rPr>
-                        <a:t>H01EBB</a:t>
+                        <a:t>BB</a:t>
                       </a:r>
                       <a:r>
                         <a:rPr lang="" altLang="en-US" sz="1800">
                           <a:sym typeface="+mn-ea"/>
                         </a:rPr>
-                        <a:t>51</a:t>
-                      </a:r>
-                      <a:r>
-                        <a:rPr lang="en-US" altLang="en-US" sz="1800">
-                          <a:sym typeface="+mn-ea"/>
-                        </a:rPr>
-                        <a:t>P</a:t>
-                      </a:r>
-                      <a:endParaRPr lang="en-US"/>
-                    </a:p>
-                  </a:txBody>
-                  <a:tcPr/>
-                </a:tc>
-                <a:tc>
-                  <a:txBody>
-                    <a:bodyPr/>
-                    <a:p>
-                      <a:pPr algn="ctr">
-                        <a:buNone/>
-                      </a:pPr>
-                      <a:r>
-                        <a:rPr lang="en-US" altLang="en-US" sz="1800">
-                          <a:sym typeface="+mn-ea"/>
-                        </a:rPr>
-                        <a:t>H01EBB</a:t>
-                      </a:r>
-                      <a:r>
-                        <a:rPr lang="" altLang="en-US" sz="1800">
-                          <a:sym typeface="+mn-ea"/>
-                        </a:rPr>
-                        <a:t>53</a:t>
+                        <a:t>62</a:t>
                       </a:r>
                       <a:r>
                         <a:rPr lang="en-US" altLang="en-US" sz="1800">
@@ -2783,10 +2749,10 @@
                         <a:buNone/>
                       </a:pPr>
                       <a:r>
-                        <a:rPr lang="" altLang="en-US"/>
+                        <a:rPr lang="en-US" altLang="en-US"/>
                         <a:t>Centering</a:t>
                       </a:r>
-                      <a:endParaRPr lang="" altLang="en-US"/>
+                      <a:endParaRPr lang="en-US" altLang="en-US"/>
                     </a:p>
                   </a:txBody>
                   <a:tcPr/>
@@ -2799,10 +2765,10 @@
                         <a:buNone/>
                       </a:pPr>
                       <a:r>
-                        <a:rPr lang="" altLang="en-US"/>
+                        <a:rPr lang="en-US" altLang="en-US"/>
                         <a:t>Within Limits</a:t>
                       </a:r>
-                      <a:endParaRPr lang="" altLang="en-US"/>
+                      <a:endParaRPr lang="en-US" altLang="en-US"/>
                     </a:p>
                   </a:txBody>
                   <a:tcPr>
@@ -2848,6 +2814,24 @@
                       <a:lin ang="5400000" scaled="0"/>
                     </a:gradFill>
                   </a:tcPr>
+                </a:tc>
+              </a:tr>
+              <a:tr h="381000">
+                <a:tc>
+                  <a:txBody>
+                    <a:bodyPr/>
+                    <a:p>
+                      <a:pPr algn="ctr">
+                        <a:buNone/>
+                      </a:pPr>
+                      <a:r>
+                        <a:rPr lang="en-US" altLang="en-US"/>
+                        <a:t>Illumination</a:t>
+                      </a:r>
+                      <a:endParaRPr lang="en-US" altLang="en-US"/>
+                    </a:p>
+                  </a:txBody>
+                  <a:tcPr/>
                 </a:tc>
                 <a:tc>
                   <a:txBody>
@@ -2919,73 +2903,13 @@
                         <a:buNone/>
                       </a:pPr>
                       <a:r>
-                        <a:rPr lang="" altLang="en-US"/>
-                        <a:t>Illumination</a:t>
+                        <a:rPr lang="en-US" altLang="en-US"/>
+                        <a:t>Stack Shift</a:t>
                       </a:r>
-                      <a:endParaRPr lang="" altLang="en-US"/>
+                      <a:endParaRPr lang="en-US" altLang="en-US"/>
                     </a:p>
                   </a:txBody>
                   <a:tcPr/>
-                </a:tc>
-                <a:tc>
-                  <a:txBody>
-                    <a:bodyPr/>
-                    <a:p>
-                      <a:pPr algn="ctr">
-                        <a:buNone/>
-                      </a:pPr>
-                      <a:r>
-                        <a:rPr lang="en-US" altLang="en-US" sz="1800">
-                          <a:sym typeface="+mn-ea"/>
-                        </a:rPr>
-                        <a:t>Within Limits</a:t>
-                      </a:r>
-                      <a:endParaRPr lang="en-US"/>
-                    </a:p>
-                  </a:txBody>
-                  <a:tcPr>
-                    <a:gradFill>
-                      <a:gsLst>
-                        <a:gs pos="0">
-                          <a:srgbClr val="40F84D"/>
-                        </a:gs>
-                        <a:gs pos="100000">
-                          <a:srgbClr val="52762D"/>
-                        </a:gs>
-                      </a:gsLst>
-                      <a:lin ang="5400000" scaled="0"/>
-                    </a:gradFill>
-                  </a:tcPr>
-                </a:tc>
-                <a:tc>
-                  <a:txBody>
-                    <a:bodyPr/>
-                    <a:p>
-                      <a:pPr algn="ctr">
-                        <a:buNone/>
-                      </a:pPr>
-                      <a:r>
-                        <a:rPr lang="en-US" altLang="en-US" sz="1800">
-                          <a:sym typeface="+mn-ea"/>
-                        </a:rPr>
-                        <a:t>Within Limits</a:t>
-                      </a:r>
-                      <a:endParaRPr lang="en-US"/>
-                    </a:p>
-                  </a:txBody>
-                  <a:tcPr>
-                    <a:gradFill>
-                      <a:gsLst>
-                        <a:gs pos="0">
-                          <a:srgbClr val="40F84D"/>
-                        </a:gs>
-                        <a:gs pos="100000">
-                          <a:srgbClr val="52762D"/>
-                        </a:gs>
-                      </a:gsLst>
-                      <a:lin ang="5400000" scaled="0"/>
-                    </a:gradFill>
-                  </a:tcPr>
                 </a:tc>
                 <a:tc>
                   <a:txBody>
@@ -3057,73 +2981,13 @@
                         <a:buNone/>
                       </a:pPr>
                       <a:r>
-                        <a:rPr lang="" altLang="en-US"/>
-                        <a:t>Stack Shift</a:t>
+                        <a:rPr lang="en-US" altLang="en-US"/>
+                        <a:t>Displacement</a:t>
                       </a:r>
-                      <a:endParaRPr lang="" altLang="en-US"/>
+                      <a:endParaRPr lang="en-US" altLang="en-US"/>
                     </a:p>
                   </a:txBody>
                   <a:tcPr/>
-                </a:tc>
-                <a:tc>
-                  <a:txBody>
-                    <a:bodyPr/>
-                    <a:p>
-                      <a:pPr algn="ctr">
-                        <a:buNone/>
-                      </a:pPr>
-                      <a:r>
-                        <a:rPr lang="en-US" altLang="en-US" sz="1800">
-                          <a:sym typeface="+mn-ea"/>
-                        </a:rPr>
-                        <a:t>Within Limits</a:t>
-                      </a:r>
-                      <a:endParaRPr lang="en-US"/>
-                    </a:p>
-                  </a:txBody>
-                  <a:tcPr>
-                    <a:gradFill>
-                      <a:gsLst>
-                        <a:gs pos="0">
-                          <a:srgbClr val="40F84D"/>
-                        </a:gs>
-                        <a:gs pos="100000">
-                          <a:srgbClr val="52762D"/>
-                        </a:gs>
-                      </a:gsLst>
-                      <a:lin ang="5400000" scaled="0"/>
-                    </a:gradFill>
-                  </a:tcPr>
-                </a:tc>
-                <a:tc>
-                  <a:txBody>
-                    <a:bodyPr/>
-                    <a:p>
-                      <a:pPr algn="ctr">
-                        <a:buNone/>
-                      </a:pPr>
-                      <a:r>
-                        <a:rPr lang="en-US" altLang="en-US" sz="1800">
-                          <a:sym typeface="+mn-ea"/>
-                        </a:rPr>
-                        <a:t>Within Limits</a:t>
-                      </a:r>
-                      <a:endParaRPr lang="en-US"/>
-                    </a:p>
-                  </a:txBody>
-                  <a:tcPr>
-                    <a:gradFill>
-                      <a:gsLst>
-                        <a:gs pos="0">
-                          <a:srgbClr val="40F84D"/>
-                        </a:gs>
-                        <a:gs pos="100000">
-                          <a:srgbClr val="52762D"/>
-                        </a:gs>
-                      </a:gsLst>
-                      <a:lin ang="5400000" scaled="0"/>
-                    </a:gradFill>
-                  </a:tcPr>
                 </a:tc>
                 <a:tc>
                   <a:txBody>
@@ -3195,10 +3059,10 @@
                         <a:buNone/>
                       </a:pPr>
                       <a:r>
-                        <a:rPr lang="" altLang="en-US"/>
-                        <a:t>Displacement</a:t>
+                        <a:rPr lang="en-US" altLang="en-US"/>
+                        <a:t>Snap Misses</a:t>
                       </a:r>
-                      <a:endParaRPr lang="" altLang="en-US"/>
+                      <a:endParaRPr lang="en-US" altLang="en-US"/>
                     </a:p>
                   </a:txBody>
                   <a:tcPr/>
@@ -3211,148 +3075,10 @@
                         <a:buNone/>
                       </a:pPr>
                       <a:r>
-                        <a:rPr lang="en-US" altLang="en-US" sz="1800">
-                          <a:sym typeface="+mn-ea"/>
-                        </a:rPr>
-                        <a:t>Within Limits</a:t>
-                      </a:r>
-                      <a:endParaRPr lang="en-US"/>
-                    </a:p>
-                  </a:txBody>
-                  <a:tcPr>
-                    <a:gradFill>
-                      <a:gsLst>
-                        <a:gs pos="0">
-                          <a:srgbClr val="40F84D"/>
-                        </a:gs>
-                        <a:gs pos="100000">
-                          <a:srgbClr val="52762D"/>
-                        </a:gs>
-                      </a:gsLst>
-                      <a:lin ang="5400000" scaled="0"/>
-                    </a:gradFill>
-                  </a:tcPr>
-                </a:tc>
-                <a:tc>
-                  <a:txBody>
-                    <a:bodyPr/>
-                    <a:p>
-                      <a:pPr algn="ctr">
-                        <a:buNone/>
-                      </a:pPr>
-                      <a:r>
-                        <a:rPr lang="en-US" altLang="en-US" sz="1800">
-                          <a:sym typeface="+mn-ea"/>
-                        </a:rPr>
-                        <a:t>Within Limits</a:t>
-                      </a:r>
-                      <a:endParaRPr lang="en-US"/>
-                    </a:p>
-                  </a:txBody>
-                  <a:tcPr>
-                    <a:gradFill>
-                      <a:gsLst>
-                        <a:gs pos="0">
-                          <a:srgbClr val="40F84D"/>
-                        </a:gs>
-                        <a:gs pos="100000">
-                          <a:srgbClr val="52762D"/>
-                        </a:gs>
-                      </a:gsLst>
-                      <a:lin ang="5400000" scaled="0"/>
-                    </a:gradFill>
-                  </a:tcPr>
-                </a:tc>
-                <a:tc>
-                  <a:txBody>
-                    <a:bodyPr/>
-                    <a:p>
-                      <a:pPr algn="ctr">
-                        <a:buNone/>
-                      </a:pPr>
-                      <a:r>
-                        <a:rPr lang="en-US" altLang="en-US" sz="1800">
-                          <a:sym typeface="+mn-ea"/>
-                        </a:rPr>
-                        <a:t>Within Limits</a:t>
-                      </a:r>
-                      <a:endParaRPr lang="en-US"/>
-                    </a:p>
-                  </a:txBody>
-                  <a:tcPr>
-                    <a:gradFill>
-                      <a:gsLst>
-                        <a:gs pos="0">
-                          <a:srgbClr val="40F84D"/>
-                        </a:gs>
-                        <a:gs pos="100000">
-                          <a:srgbClr val="52762D"/>
-                        </a:gs>
-                      </a:gsLst>
-                      <a:lin ang="5400000" scaled="0"/>
-                    </a:gradFill>
-                  </a:tcPr>
-                </a:tc>
-                <a:tc>
-                  <a:txBody>
-                    <a:bodyPr/>
-                    <a:p>
-                      <a:pPr algn="ctr">
-                        <a:buNone/>
-                      </a:pPr>
-                      <a:r>
-                        <a:rPr lang="en-US" altLang="en-US" sz="1800">
-                          <a:sym typeface="+mn-ea"/>
-                        </a:rPr>
-                        <a:t>Within Limits</a:t>
-                      </a:r>
-                      <a:endParaRPr lang="en-US"/>
-                    </a:p>
-                  </a:txBody>
-                  <a:tcPr>
-                    <a:gradFill>
-                      <a:gsLst>
-                        <a:gs pos="0">
-                          <a:srgbClr val="40F84D"/>
-                        </a:gs>
-                        <a:gs pos="100000">
-                          <a:srgbClr val="52762D"/>
-                        </a:gs>
-                      </a:gsLst>
-                      <a:lin ang="5400000" scaled="0"/>
-                    </a:gradFill>
-                  </a:tcPr>
-                </a:tc>
-              </a:tr>
-              <a:tr h="381000">
-                <a:tc>
-                  <a:txBody>
-                    <a:bodyPr/>
-                    <a:p>
-                      <a:pPr algn="ctr">
-                        <a:buNone/>
-                      </a:pPr>
-                      <a:r>
-                        <a:rPr lang="" altLang="en-US"/>
-                        <a:t>Snap Misses</a:t>
-                      </a:r>
-                      <a:endParaRPr lang="" altLang="en-US"/>
-                    </a:p>
-                  </a:txBody>
-                  <a:tcPr/>
-                </a:tc>
-                <a:tc>
-                  <a:txBody>
-                    <a:bodyPr/>
-                    <a:p>
-                      <a:pPr algn="ctr">
-                        <a:buNone/>
-                      </a:pPr>
-                      <a:r>
-                        <a:rPr lang="" altLang="en-US"/>
+                        <a:rPr lang="en-US" altLang="en-US"/>
                         <a:t>None</a:t>
                       </a:r>
-                      <a:endParaRPr lang="" altLang="en-US"/>
+                      <a:endParaRPr lang="en-US" altLang="en-US"/>
                     </a:p>
                   </a:txBody>
                   <a:tcPr>
@@ -3399,6 +3125,8 @@
                     </a:gradFill>
                   </a:tcPr>
                 </a:tc>
+              </a:tr>
+              <a:tr h="381000">
                 <a:tc>
                   <a:txBody>
                     <a:bodyPr/>
@@ -3407,12 +3135,26 @@
                         <a:buNone/>
                       </a:pPr>
                       <a:r>
-                        <a:rPr lang="en-US" altLang="en-US" sz="1800">
-                          <a:sym typeface="+mn-ea"/>
-                        </a:rPr>
-                        <a:t>None</a:t>
+                        <a:rPr lang="" altLang="en-US"/>
+                        <a:t>Grid Shift</a:t>
                       </a:r>
-                      <a:endParaRPr lang="en-US"/>
+                      <a:endParaRPr lang="" altLang="en-US"/>
+                    </a:p>
+                  </a:txBody>
+                  <a:tcPr/>
+                </a:tc>
+                <a:tc>
+                  <a:txBody>
+                    <a:bodyPr/>
+                    <a:p>
+                      <a:pPr algn="ctr">
+                        <a:buNone/>
+                      </a:pPr>
+                      <a:r>
+                        <a:rPr lang="" altLang="en-US"/>
+                        <a:t>No</a:t>
+                      </a:r>
+                      <a:endParaRPr lang="" altLang="en-US"/>
                     </a:p>
                   </a:txBody>
                   <a:tcPr>
@@ -3437,12 +3179,10 @@
                         <a:buNone/>
                       </a:pPr>
                       <a:r>
-                        <a:rPr lang="en-US" altLang="en-US" sz="1800">
-                          <a:sym typeface="+mn-ea"/>
-                        </a:rPr>
-                        <a:t>None</a:t>
+                        <a:rPr lang="" altLang="en-US"/>
+                        <a:t>No</a:t>
                       </a:r>
-                      <a:endParaRPr lang="en-US"/>
+                      <a:endParaRPr lang="" altLang="en-US"/>
                     </a:p>
                   </a:txBody>
                   <a:tcPr>
